--- a/slides/17-functions-pt1.pptx
+++ b/slides/17-functions-pt1.pptx
@@ -221,7 +221,7 @@
           <a:p>
             <a:fld id="{5701B432-CA49-394F-A532-26B0D002A51A}" type="datetimeFigureOut">
               <a:rPr lang="en-US" smtClean="0"/>
-              <a:t>10/31/23</a:t>
+              <a:t>11/6/23</a:t>
             </a:fld>
             <a:endParaRPr lang="en-US"/>
           </a:p>
@@ -965,7 +965,7 @@
             <a:fld id="{5586B75A-687E-405C-8A0B-8D00578BA2C3}" type="datetimeFigureOut">
               <a:rPr lang="en-US" smtClean="0"/>
               <a:pPr/>
-              <a:t>10/31/23</a:t>
+              <a:t>11/6/23</a:t>
             </a:fld>
             <a:endParaRPr lang="en-US" dirty="0"/>
           </a:p>
@@ -1137,7 +1137,7 @@
             <a:fld id="{5586B75A-687E-405C-8A0B-8D00578BA2C3}" type="datetimeFigureOut">
               <a:rPr lang="en-US" smtClean="0"/>
               <a:pPr/>
-              <a:t>10/31/23</a:t>
+              <a:t>11/6/23</a:t>
             </a:fld>
             <a:endParaRPr lang="en-US" dirty="0"/>
           </a:p>
@@ -1319,7 +1319,7 @@
             <a:fld id="{5586B75A-687E-405C-8A0B-8D00578BA2C3}" type="datetimeFigureOut">
               <a:rPr lang="en-US" smtClean="0"/>
               <a:pPr/>
-              <a:t>10/31/23</a:t>
+              <a:t>11/6/23</a:t>
             </a:fld>
             <a:endParaRPr lang="en-US" dirty="0"/>
           </a:p>
@@ -1491,7 +1491,7 @@
             <a:fld id="{5586B75A-687E-405C-8A0B-8D00578BA2C3}" type="datetimeFigureOut">
               <a:rPr lang="en-US" smtClean="0"/>
               <a:pPr/>
-              <a:t>10/31/23</a:t>
+              <a:t>11/6/23</a:t>
             </a:fld>
             <a:endParaRPr lang="en-US" dirty="0"/>
           </a:p>
@@ -1747,7 +1747,7 @@
             <a:fld id="{5586B75A-687E-405C-8A0B-8D00578BA2C3}" type="datetimeFigureOut">
               <a:rPr lang="en-US" smtClean="0"/>
               <a:pPr/>
-              <a:t>10/31/23</a:t>
+              <a:t>11/6/23</a:t>
             </a:fld>
             <a:endParaRPr lang="en-US" dirty="0"/>
           </a:p>
@@ -2037,7 +2037,7 @@
             <a:fld id="{5586B75A-687E-405C-8A0B-8D00578BA2C3}" type="datetimeFigureOut">
               <a:rPr lang="en-US" smtClean="0"/>
               <a:pPr/>
-              <a:t>10/31/23</a:t>
+              <a:t>11/6/23</a:t>
             </a:fld>
             <a:endParaRPr lang="en-US" dirty="0"/>
           </a:p>
@@ -2481,7 +2481,7 @@
             <a:fld id="{5586B75A-687E-405C-8A0B-8D00578BA2C3}" type="datetimeFigureOut">
               <a:rPr lang="en-US" smtClean="0"/>
               <a:pPr/>
-              <a:t>10/31/23</a:t>
+              <a:t>11/6/23</a:t>
             </a:fld>
             <a:endParaRPr lang="en-US" dirty="0"/>
           </a:p>
@@ -2602,7 +2602,7 @@
             <a:fld id="{5586B75A-687E-405C-8A0B-8D00578BA2C3}" type="datetimeFigureOut">
               <a:rPr lang="en-US" smtClean="0"/>
               <a:pPr/>
-              <a:t>10/31/23</a:t>
+              <a:t>11/6/23</a:t>
             </a:fld>
             <a:endParaRPr lang="en-US" dirty="0"/>
           </a:p>
@@ -2699,7 +2699,7 @@
             <a:fld id="{5586B75A-687E-405C-8A0B-8D00578BA2C3}" type="datetimeFigureOut">
               <a:rPr lang="en-US" smtClean="0"/>
               <a:pPr/>
-              <a:t>10/31/23</a:t>
+              <a:t>11/6/23</a:t>
             </a:fld>
             <a:endParaRPr lang="en-US" dirty="0"/>
           </a:p>
@@ -2989,7 +2989,7 @@
             <a:fld id="{5586B75A-687E-405C-8A0B-8D00578BA2C3}" type="datetimeFigureOut">
               <a:rPr lang="en-US" smtClean="0"/>
               <a:pPr/>
-              <a:t>10/31/23</a:t>
+              <a:t>11/6/23</a:t>
             </a:fld>
             <a:endParaRPr lang="en-US" dirty="0"/>
           </a:p>
@@ -3264,7 +3264,7 @@
             <a:fld id="{5586B75A-687E-405C-8A0B-8D00578BA2C3}" type="datetimeFigureOut">
               <a:rPr lang="en-US" smtClean="0"/>
               <a:pPr/>
-              <a:t>10/31/23</a:t>
+              <a:t>11/6/23</a:t>
             </a:fld>
             <a:endParaRPr lang="en-US" dirty="0"/>
           </a:p>
@@ -3563,7 +3563,7 @@
             <a:fld id="{5586B75A-687E-405C-8A0B-8D00578BA2C3}" type="datetimeFigureOut">
               <a:rPr lang="en-US" smtClean="0"/>
               <a:pPr/>
-              <a:t>10/31/23</a:t>
+              <a:t>11/6/23</a:t>
             </a:fld>
             <a:endParaRPr lang="en-US" dirty="0"/>
           </a:p>
@@ -4070,7 +4070,7 @@
           <a:p>
             <a:r>
               <a:rPr lang="en-US" dirty="0"/>
-              <a:t>Data Science for Everyone – Functions &amp; Iteration</a:t>
+              <a:t>Data Science for Everyone – Functions</a:t>
             </a:r>
           </a:p>
         </p:txBody>
